--- a/OPEN SOURCE AUDITS IN MERGER AND ACQUISITION TRANSACTIONS/RC/Figures_M&A_paper_JP(Gothic).pptx
+++ b/OPEN SOURCE AUDITS IN MERGER AND ACQUISITION TRANSACTIONS/RC/Figures_M&A_paper_JP(Gothic).pptx
@@ -125,7 +125,7 @@
   </p:defaultTextStyle>
   <p:extLst>
     <p:ext uri="{EFAFB233-063F-42B5-8137-9DF3F51BA10A}">
-      <p15:sldGuideLst xmlns="" xmlns:p15="http://schemas.microsoft.com/office/powerpoint/2012/main">
+      <p15:sldGuideLst xmlns:p15="http://schemas.microsoft.com/office/powerpoint/2012/main" xmlns="">
         <p15:guide id="1" orient="horz" pos="2296" userDrawn="1">
           <p15:clr>
             <a:srgbClr val="A4A3A4"/>
@@ -139,7 +139,7 @@
       </p15:sldGuideLst>
     </p:ext>
     <p:ext uri="{2D200454-40CA-4A62-9FC3-DE9A4176ACB9}">
-      <p15:notesGuideLst xmlns="" xmlns:p15="http://schemas.microsoft.com/office/powerpoint/2012/main"/>
+      <p15:notesGuideLst xmlns:p15="http://schemas.microsoft.com/office/powerpoint/2012/main" xmlns=""/>
     </p:ext>
   </p:extLst>
 </p:presentation>
@@ -5946,7 +5946,7 @@
                 <a14:useLocalDpi xmlns:a14="http://schemas.microsoft.com/office/drawing/2010/main" val="0"/>
               </a:ext>
               <a:ext uri="{96DAC541-7B7A-43D3-8B79-37D633B846F1}">
-                <asvg:svgBlip xmlns="" xmlns:asvg="http://schemas.microsoft.com/office/drawing/2016/SVG/main" r:embed="rId25"/>
+                <asvg:svgBlip xmlns:asvg="http://schemas.microsoft.com/office/drawing/2016/SVG/main" xmlns="" r:embed="rId25"/>
               </a:ext>
             </a:extLst>
           </a:blip>
@@ -12662,7 +12662,7 @@
         </p:nvSpPr>
         <p:spPr>
           <a:xfrm rot="16200000">
-            <a:off x="1581879" y="2957726"/>
+            <a:off x="1593754" y="2969601"/>
             <a:ext cx="612000" cy="612000"/>
           </a:xfrm>
           <a:prstGeom prst="arc">
@@ -12705,7 +12705,7 @@
         </p:nvSpPr>
         <p:spPr>
           <a:xfrm rot="10800000">
-            <a:off x="1579542" y="4454374"/>
+            <a:off x="1603292" y="4442499"/>
             <a:ext cx="612000" cy="612000"/>
           </a:xfrm>
           <a:prstGeom prst="arc">
@@ -12787,7 +12787,7 @@
         </p:nvCxnSpPr>
         <p:spPr>
           <a:xfrm>
-            <a:off x="1584692" y="3270166"/>
+            <a:off x="1596567" y="3270166"/>
             <a:ext cx="1" cy="1487036"/>
           </a:xfrm>
           <a:prstGeom prst="line">
@@ -30143,7 +30143,7 @@
                 <a14:useLocalDpi xmlns:a14="http://schemas.microsoft.com/office/drawing/2010/main" val="0"/>
               </a:ext>
               <a:ext uri="{96DAC541-7B7A-43D3-8B79-37D633B846F1}">
-                <asvg:svgBlip xmlns="" xmlns:asvg="http://schemas.microsoft.com/office/drawing/2016/SVG/main" r:embed="rId25"/>
+                <asvg:svgBlip xmlns:asvg="http://schemas.microsoft.com/office/drawing/2016/SVG/main" xmlns="" r:embed="rId25"/>
               </a:ext>
             </a:extLst>
           </a:blip>
@@ -30624,7 +30624,7 @@
   <a:extraClrSchemeLst/>
   <a:extLst>
     <a:ext uri="{05A4C25C-085E-4340-85A3-A5531E510DB2}">
-      <thm15:themeFamily xmlns="" xmlns:thm15="http://schemas.microsoft.com/office/thememl/2012/main" name="Office Theme" id="{62F939B6-93AF-4DB8-9C6B-D6C7DFDC589F}" vid="{4A3C46E8-61CC-4603-A589-7422A47A8E4A}"/>
+      <thm15:themeFamily xmlns:thm15="http://schemas.microsoft.com/office/thememl/2012/main" xmlns="" name="Office Theme" id="{62F939B6-93AF-4DB8-9C6B-D6C7DFDC589F}" vid="{4A3C46E8-61CC-4603-A589-7422A47A8E4A}"/>
     </a:ext>
   </a:extLst>
 </a:theme>
@@ -30885,7 +30885,7 @@
   <a:extraClrSchemeLst/>
   <a:extLst>
     <a:ext uri="{05A4C25C-085E-4340-85A3-A5531E510DB2}">
-      <thm15:themeFamily xmlns="" xmlns:thm15="http://schemas.microsoft.com/office/thememl/2012/main" name="Office Theme" id="{62F939B6-93AF-4DB8-9C6B-D6C7DFDC589F}" vid="{4A3C46E8-61CC-4603-A589-7422A47A8E4A}"/>
+      <thm15:themeFamily xmlns:thm15="http://schemas.microsoft.com/office/thememl/2012/main" xmlns="" name="Office Theme" id="{62F939B6-93AF-4DB8-9C6B-D6C7DFDC589F}" vid="{4A3C46E8-61CC-4603-A589-7422A47A8E4A}"/>
     </a:ext>
   </a:extLst>
 </a:theme>
@@ -31146,7 +31146,7 @@
   <a:extraClrSchemeLst/>
   <a:extLst>
     <a:ext uri="{05A4C25C-085E-4340-85A3-A5531E510DB2}">
-      <thm15:themeFamily xmlns="" xmlns:thm15="http://schemas.microsoft.com/office/thememl/2012/main" name="Office Theme" id="{62F939B6-93AF-4DB8-9C6B-D6C7DFDC589F}" vid="{4A3C46E8-61CC-4603-A589-7422A47A8E4A}"/>
+      <thm15:themeFamily xmlns:thm15="http://schemas.microsoft.com/office/thememl/2012/main" xmlns="" name="Office Theme" id="{62F939B6-93AF-4DB8-9C6B-D6C7DFDC589F}" vid="{4A3C46E8-61CC-4603-A589-7422A47A8E4A}"/>
     </a:ext>
   </a:extLst>
 </a:theme>
